--- a/Lab4/Presentation4.pptx
+++ b/Lab4/Presentation4.pptx
@@ -354,7 +354,7 @@
           <a:p>
             <a:fld id="{4BDF68E2-58F2-4D09-BE8B-E3BD06533059}" type="datetimeFigureOut">
               <a:rPr lang="en-US" dirty="0"/>
-              <a:t>1/17/2017</a:t>
+              <a:t>1/18/2017</a:t>
             </a:fld>
             <a:endParaRPr lang="en-US" dirty="0"/>
           </a:p>
@@ -557,7 +557,7 @@
           <a:p>
             <a:fld id="{2E2D6473-DF6D-4702-B328-E0DD40540A4E}" type="datetimeFigureOut">
               <a:rPr lang="en-US" dirty="0"/>
-              <a:t>1/17/2017</a:t>
+              <a:t>1/18/2017</a:t>
             </a:fld>
             <a:endParaRPr lang="en-US" dirty="0"/>
           </a:p>
@@ -808,7 +808,7 @@
           <a:p>
             <a:fld id="{E26F7E3A-B166-407D-9866-32884E7D5B37}" type="datetimeFigureOut">
               <a:rPr lang="en-US" dirty="0"/>
-              <a:t>1/17/2017</a:t>
+              <a:t>1/18/2017</a:t>
             </a:fld>
             <a:endParaRPr lang="en-US" dirty="0"/>
           </a:p>
@@ -977,7 +977,7 @@
           <a:p>
             <a:fld id="{528FC5F6-F338-4AE4-BB23-26385BCFC423}" type="datetimeFigureOut">
               <a:rPr lang="en-US" dirty="0"/>
-              <a:t>1/17/2017</a:t>
+              <a:t>1/18/2017</a:t>
             </a:fld>
             <a:endParaRPr lang="en-US" dirty="0"/>
           </a:p>
@@ -1315,7 +1315,7 @@
           <a:p>
             <a:fld id="{20EBB0C4-6273-4C6E-B9BD-2EDC30F1CD52}" type="datetimeFigureOut">
               <a:rPr lang="en-US" dirty="0"/>
-              <a:t>1/17/2017</a:t>
+              <a:t>1/18/2017</a:t>
             </a:fld>
             <a:endParaRPr lang="en-US" dirty="0"/>
           </a:p>
@@ -1585,7 +1585,7 @@
           <a:p>
             <a:fld id="{19AB4D41-86C1-4908-B66A-0B50CEB3BF29}" type="datetimeFigureOut">
               <a:rPr lang="en-US" dirty="0"/>
-              <a:t>1/17/2017</a:t>
+              <a:t>1/18/2017</a:t>
             </a:fld>
             <a:endParaRPr lang="en-US" dirty="0"/>
           </a:p>
@@ -1959,7 +1959,7 @@
           <a:p>
             <a:fld id="{E6426E2C-56C1-4E0D-A793-0088A7FDD37E}" type="datetimeFigureOut">
               <a:rPr lang="en-US" dirty="0"/>
-              <a:t>1/17/2017</a:t>
+              <a:t>1/18/2017</a:t>
             </a:fld>
             <a:endParaRPr lang="en-US" dirty="0"/>
           </a:p>
@@ -2072,7 +2072,7 @@
           <a:p>
             <a:fld id="{C8C39B41-D8B5-4052-B551-9B5525EAA8B6}" type="datetimeFigureOut">
               <a:rPr lang="en-US" dirty="0"/>
-              <a:t>1/17/2017</a:t>
+              <a:t>1/18/2017</a:t>
             </a:fld>
             <a:endParaRPr lang="en-US" dirty="0"/>
           </a:p>
@@ -2238,7 +2238,7 @@
           <a:p>
             <a:fld id="{4D94136C-8742-45B2-AF27-D93DF72833A9}" type="datetimeFigureOut">
               <a:rPr lang="en-US" dirty="0"/>
-              <a:t>1/17/2017</a:t>
+              <a:t>1/18/2017</a:t>
             </a:fld>
             <a:endParaRPr lang="en-US" dirty="0"/>
           </a:p>
@@ -2588,7 +2588,7 @@
           <a:p>
             <a:fld id="{32ABBEA6-7C60-4B02-AE87-00D78D8422AF}" type="datetimeFigureOut">
               <a:rPr lang="en-US" dirty="0"/>
-              <a:t>1/17/2017</a:t>
+              <a:t>1/18/2017</a:t>
             </a:fld>
             <a:endParaRPr lang="en-US" dirty="0"/>
           </a:p>
@@ -2966,7 +2966,7 @@
           <a:p>
             <a:fld id="{C9CAD897-D46E-4AD2-BD9B-49DD3E640873}" type="datetimeFigureOut">
               <a:rPr lang="en-US" dirty="0"/>
-              <a:t>1/17/2017</a:t>
+              <a:t>1/18/2017</a:t>
             </a:fld>
             <a:endParaRPr lang="en-US" dirty="0"/>
           </a:p>
@@ -3248,7 +3248,7 @@
           <a:p>
             <a:fld id="{98624D31-43A5-475A-80CF-332C9F6DCF35}" type="datetimeFigureOut">
               <a:rPr lang="en-US" dirty="0"/>
-              <a:t>1/17/2017</a:t>
+              <a:t>1/18/2017</a:t>
             </a:fld>
             <a:endParaRPr lang="en-US" dirty="0"/>
           </a:p>
@@ -3943,7 +3943,7 @@
             <a:pPr lvl="1"/>
             <a:r>
               <a:rPr lang="en-GB" sz="3000" dirty="0"/>
-              <a:t>migrate to more energy efficient edges and PMs</a:t>
+              <a:t>migrate to more energy efficient edge and PM</a:t>
             </a:r>
           </a:p>
           <a:p>
@@ -4022,7 +4022,7 @@
           <a:p>
             <a:r>
               <a:rPr lang="en-GB" sz="3200" dirty="0"/>
-              <a:t>3 different type of users</a:t>
+              <a:t>3 different types of users</a:t>
             </a:r>
           </a:p>
           <a:p>
@@ -4265,7 +4265,7 @@
         </p:blipFill>
         <p:spPr>
           <a:xfrm>
-            <a:off x="392052" y="2959339"/>
+            <a:off x="538229" y="2959339"/>
             <a:ext cx="3124361" cy="2121009"/>
           </a:xfrm>
           <a:prstGeom prst="rect">
@@ -4541,7 +4541,6 @@
               <a:rPr lang="en-GB"/>
               <a:t>Final Algorithm</a:t>
             </a:r>
-            <a:endParaRPr lang="en-GB"/>
           </a:p>
         </p:txBody>
       </p:sp>
@@ -4636,6 +4635,18 @@
                 <a:sym typeface="Wingdings" panose="05000000000000000000" pitchFamily="2" charset="2"/>
               </a:rPr>
               <a:t> priority</a:t>
+            </a:r>
+          </a:p>
+          <a:p>
+            <a:pPr marL="449263" indent="-90488">
+              <a:buFont typeface="Courier New" panose="02070309020205020404" pitchFamily="49" charset="0"/>
+              <a:buChar char="o"/>
+            </a:pPr>
+            <a:r>
+              <a:rPr lang="en-GB" dirty="0">
+                <a:sym typeface="Wingdings" panose="05000000000000000000" pitchFamily="2" charset="2"/>
+              </a:rPr>
+              <a:t>  maximum amount of failures which the algorithm can handle: ~120.000</a:t>
             </a:r>
           </a:p>
           <a:p>
